--- a/input.pptx
+++ b/input.pptx
@@ -6,6 +6,11 @@
   </p:sldMasterIdLst>
   <p:sldIdLst>
     <p:sldId id="256" r:id="rId3"/>
+    <p:sldId id="257" r:id="rId4"/>
+    <p:sldId id="258" r:id="rId5"/>
+    <p:sldId id="259" r:id="rId6"/>
+    <p:sldId id="260" r:id="rId7"/>
+    <p:sldId id="261" r:id="rId8"/>
   </p:sldIdLst>
   <p:sldSz cx="9144000" cy="6858000"/>
   <p:notesSz cx="7559675" cy="10691812"/>
@@ -63,8 +68,8 @@
         </p:nvSpPr>
         <p:spPr>
           <a:xfrm>
-            <a:off x="685800" y="2130480"/>
-            <a:ext cx="7771320" cy="1468800"/>
+            <a:off x="457200" y="273600"/>
+            <a:ext cx="8229240" cy="1144800"/>
           </a:xfrm>
           <a:prstGeom prst="rect">
             <a:avLst/>
@@ -93,7 +98,7 @@
         <p:spPr>
           <a:xfrm>
             <a:off x="457200" y="1604520"/>
-            <a:ext cx="8228880" cy="1896840"/>
+            <a:ext cx="8229240" cy="1896840"/>
           </a:xfrm>
           <a:prstGeom prst="rect">
             <a:avLst/>
@@ -123,7 +128,7 @@
         <p:spPr>
           <a:xfrm>
             <a:off x="457200" y="3682080"/>
-            <a:ext cx="8228880" cy="1896840"/>
+            <a:ext cx="8229240" cy="1896840"/>
           </a:xfrm>
           <a:prstGeom prst="rect">
             <a:avLst/>
@@ -174,8 +179,8 @@
         </p:nvSpPr>
         <p:spPr>
           <a:xfrm>
-            <a:off x="685800" y="2130480"/>
-            <a:ext cx="7771320" cy="1468800"/>
+            <a:off x="457200" y="273600"/>
+            <a:ext cx="8229240" cy="1144800"/>
           </a:xfrm>
           <a:prstGeom prst="rect">
             <a:avLst/>
@@ -204,7 +209,7 @@
         <p:spPr>
           <a:xfrm>
             <a:off x="457200" y="1604520"/>
-            <a:ext cx="4015440" cy="1896840"/>
+            <a:ext cx="4015800" cy="1896840"/>
           </a:xfrm>
           <a:prstGeom prst="rect">
             <a:avLst/>
@@ -233,8 +238,8 @@
         </p:nvSpPr>
         <p:spPr>
           <a:xfrm>
-            <a:off x="4673880" y="1604520"/>
-            <a:ext cx="4015440" cy="1896840"/>
+            <a:off x="4674240" y="1604520"/>
+            <a:ext cx="4015800" cy="1896840"/>
           </a:xfrm>
           <a:prstGeom prst="rect">
             <a:avLst/>
@@ -264,7 +269,7 @@
         <p:spPr>
           <a:xfrm>
             <a:off x="457200" y="3682080"/>
-            <a:ext cx="4015440" cy="1896840"/>
+            <a:ext cx="4015800" cy="1896840"/>
           </a:xfrm>
           <a:prstGeom prst="rect">
             <a:avLst/>
@@ -293,8 +298,8 @@
         </p:nvSpPr>
         <p:spPr>
           <a:xfrm>
-            <a:off x="4673880" y="3682080"/>
-            <a:ext cx="4015440" cy="1896840"/>
+            <a:off x="4674240" y="3682080"/>
+            <a:ext cx="4015800" cy="1896840"/>
           </a:xfrm>
           <a:prstGeom prst="rect">
             <a:avLst/>
@@ -345,8 +350,8 @@
         </p:nvSpPr>
         <p:spPr>
           <a:xfrm>
-            <a:off x="685800" y="2130480"/>
-            <a:ext cx="7771320" cy="1468800"/>
+            <a:off x="457200" y="273600"/>
+            <a:ext cx="8229240" cy="1144800"/>
           </a:xfrm>
           <a:prstGeom prst="rect">
             <a:avLst/>
@@ -576,8 +581,8 @@
         </p:nvSpPr>
         <p:spPr>
           <a:xfrm>
-            <a:off x="685800" y="2130480"/>
-            <a:ext cx="7771320" cy="1468800"/>
+            <a:off x="457200" y="273600"/>
+            <a:ext cx="8229240" cy="1144800"/>
           </a:xfrm>
           <a:prstGeom prst="rect">
             <a:avLst/>
@@ -606,7 +611,7 @@
         <p:spPr>
           <a:xfrm>
             <a:off x="457200" y="1604520"/>
-            <a:ext cx="8228880" cy="3976920"/>
+            <a:ext cx="8229240" cy="3977280"/>
           </a:xfrm>
           <a:prstGeom prst="rect">
             <a:avLst/>
@@ -656,8 +661,8 @@
         </p:nvSpPr>
         <p:spPr>
           <a:xfrm>
-            <a:off x="685800" y="2130480"/>
-            <a:ext cx="7771320" cy="1468800"/>
+            <a:off x="457200" y="273600"/>
+            <a:ext cx="8229240" cy="1144800"/>
           </a:xfrm>
           <a:prstGeom prst="rect">
             <a:avLst/>
@@ -686,7 +691,7 @@
         <p:spPr>
           <a:xfrm>
             <a:off x="457200" y="1604520"/>
-            <a:ext cx="8228880" cy="3976920"/>
+            <a:ext cx="8229240" cy="3977280"/>
           </a:xfrm>
           <a:prstGeom prst="rect">
             <a:avLst/>
@@ -737,8 +742,8 @@
         </p:nvSpPr>
         <p:spPr>
           <a:xfrm>
-            <a:off x="685800" y="2130480"/>
-            <a:ext cx="7771320" cy="1468800"/>
+            <a:off x="457200" y="273600"/>
+            <a:ext cx="8229240" cy="1144800"/>
           </a:xfrm>
           <a:prstGeom prst="rect">
             <a:avLst/>
@@ -767,7 +772,7 @@
         <p:spPr>
           <a:xfrm>
             <a:off x="457200" y="1604520"/>
-            <a:ext cx="4015440" cy="3976920"/>
+            <a:ext cx="4015800" cy="3977280"/>
           </a:xfrm>
           <a:prstGeom prst="rect">
             <a:avLst/>
@@ -796,8 +801,8 @@
         </p:nvSpPr>
         <p:spPr>
           <a:xfrm>
-            <a:off x="4673880" y="1604520"/>
-            <a:ext cx="4015440" cy="3976920"/>
+            <a:off x="4674240" y="1604520"/>
+            <a:ext cx="4015800" cy="3977280"/>
           </a:xfrm>
           <a:prstGeom prst="rect">
             <a:avLst/>
@@ -848,8 +853,8 @@
         </p:nvSpPr>
         <p:spPr>
           <a:xfrm>
-            <a:off x="685800" y="2130480"/>
-            <a:ext cx="7771320" cy="1468800"/>
+            <a:off x="457200" y="273600"/>
+            <a:ext cx="8229240" cy="1144800"/>
           </a:xfrm>
           <a:prstGeom prst="rect">
             <a:avLst/>
@@ -899,8 +904,8 @@
         </p:nvSpPr>
         <p:spPr>
           <a:xfrm>
-            <a:off x="685800" y="2130480"/>
-            <a:ext cx="7771320" cy="6809760"/>
+            <a:off x="457200" y="273600"/>
+            <a:ext cx="8229240" cy="5307840"/>
           </a:xfrm>
           <a:prstGeom prst="rect">
             <a:avLst/>
@@ -950,8 +955,8 @@
         </p:nvSpPr>
         <p:spPr>
           <a:xfrm>
-            <a:off x="685800" y="2130480"/>
-            <a:ext cx="7771320" cy="1468800"/>
+            <a:off x="457200" y="273600"/>
+            <a:ext cx="8229240" cy="1144800"/>
           </a:xfrm>
           <a:prstGeom prst="rect">
             <a:avLst/>
@@ -980,7 +985,7 @@
         <p:spPr>
           <a:xfrm>
             <a:off x="457200" y="1604520"/>
-            <a:ext cx="4015440" cy="1896840"/>
+            <a:ext cx="4015800" cy="1896840"/>
           </a:xfrm>
           <a:prstGeom prst="rect">
             <a:avLst/>
@@ -1009,8 +1014,8 @@
         </p:nvSpPr>
         <p:spPr>
           <a:xfrm>
-            <a:off x="4673880" y="1604520"/>
-            <a:ext cx="4015440" cy="3976920"/>
+            <a:off x="4674240" y="1604520"/>
+            <a:ext cx="4015800" cy="3977280"/>
           </a:xfrm>
           <a:prstGeom prst="rect">
             <a:avLst/>
@@ -1040,7 +1045,7 @@
         <p:spPr>
           <a:xfrm>
             <a:off x="457200" y="3682080"/>
-            <a:ext cx="4015440" cy="1896840"/>
+            <a:ext cx="4015800" cy="1896840"/>
           </a:xfrm>
           <a:prstGeom prst="rect">
             <a:avLst/>
@@ -1091,8 +1096,8 @@
         </p:nvSpPr>
         <p:spPr>
           <a:xfrm>
-            <a:off x="685800" y="2130480"/>
-            <a:ext cx="7771320" cy="1468800"/>
+            <a:off x="457200" y="273600"/>
+            <a:ext cx="8229240" cy="1144800"/>
           </a:xfrm>
           <a:prstGeom prst="rect">
             <a:avLst/>
@@ -1121,7 +1126,7 @@
         <p:spPr>
           <a:xfrm>
             <a:off x="457200" y="1604520"/>
-            <a:ext cx="4015440" cy="3976920"/>
+            <a:ext cx="4015800" cy="3977280"/>
           </a:xfrm>
           <a:prstGeom prst="rect">
             <a:avLst/>
@@ -1150,8 +1155,8 @@
         </p:nvSpPr>
         <p:spPr>
           <a:xfrm>
-            <a:off x="4673880" y="1604520"/>
-            <a:ext cx="4015440" cy="1896840"/>
+            <a:off x="4674240" y="1604520"/>
+            <a:ext cx="4015800" cy="1896840"/>
           </a:xfrm>
           <a:prstGeom prst="rect">
             <a:avLst/>
@@ -1180,8 +1185,8 @@
         </p:nvSpPr>
         <p:spPr>
           <a:xfrm>
-            <a:off x="4673880" y="3682080"/>
-            <a:ext cx="4015440" cy="1896840"/>
+            <a:off x="4674240" y="3682080"/>
+            <a:ext cx="4015800" cy="1896840"/>
           </a:xfrm>
           <a:prstGeom prst="rect">
             <a:avLst/>
@@ -1232,8 +1237,8 @@
         </p:nvSpPr>
         <p:spPr>
           <a:xfrm>
-            <a:off x="685800" y="2130480"/>
-            <a:ext cx="7771320" cy="1468800"/>
+            <a:off x="457200" y="273600"/>
+            <a:ext cx="8229240" cy="1144800"/>
           </a:xfrm>
           <a:prstGeom prst="rect">
             <a:avLst/>
@@ -1262,7 +1267,7 @@
         <p:spPr>
           <a:xfrm>
             <a:off x="457200" y="1604520"/>
-            <a:ext cx="4015440" cy="1896840"/>
+            <a:ext cx="4015800" cy="1896840"/>
           </a:xfrm>
           <a:prstGeom prst="rect">
             <a:avLst/>
@@ -1291,8 +1296,8 @@
         </p:nvSpPr>
         <p:spPr>
           <a:xfrm>
-            <a:off x="4673880" y="1604520"/>
-            <a:ext cx="4015440" cy="1896840"/>
+            <a:off x="4674240" y="1604520"/>
+            <a:ext cx="4015800" cy="1896840"/>
           </a:xfrm>
           <a:prstGeom prst="rect">
             <a:avLst/>
@@ -1322,7 +1327,7 @@
         <p:spPr>
           <a:xfrm>
             <a:off x="457200" y="3682080"/>
-            <a:ext cx="8228880" cy="1896840"/>
+            <a:ext cx="8229240" cy="1896840"/>
           </a:xfrm>
           <a:prstGeom prst="rect">
             <a:avLst/>
@@ -1380,8 +1385,8 @@
         </p:nvSpPr>
         <p:spPr>
           <a:xfrm>
-            <a:off x="685800" y="2130480"/>
-            <a:ext cx="7771320" cy="1468800"/>
+            <a:off x="457200" y="273600"/>
+            <a:ext cx="8229240" cy="1144800"/>
           </a:xfrm>
           <a:prstGeom prst="rect">
             <a:avLst/>
@@ -1390,13 +1395,20 @@
         <p:txBody>
           <a:bodyPr lIns="0" rIns="0" tIns="0" bIns="0" anchor="ctr"/>
           <a:p>
+            <a:pPr algn="ctr"/>
             <a:r>
-              <a:rPr b="0" lang="en-US" sz="1800" spc="-1" strike="noStrike">
+              <a:rPr b="0" lang="en-US" sz="4400" spc="-1" strike="noStrike">
                 <a:latin typeface="Arial"/>
               </a:rPr>
-              <a:t>Click to edit the title text format</a:t>
+              <a:t>Click to edit the title text </a:t>
             </a:r>
-            <a:endParaRPr b="0" lang="en-US" sz="1800" spc="-1" strike="noStrike">
+            <a:r>
+              <a:rPr b="0" lang="en-US" sz="4400" spc="-1" strike="noStrike">
+                <a:latin typeface="Arial"/>
+              </a:rPr>
+              <a:t>format</a:t>
+            </a:r>
+            <a:endParaRPr b="0" lang="en-US" sz="4400" spc="-1" strike="noStrike">
               <a:latin typeface="Arial"/>
             </a:endParaRPr>
           </a:p>
@@ -1415,7 +1427,7 @@
         <p:spPr>
           <a:xfrm>
             <a:off x="457200" y="1604520"/>
-            <a:ext cx="8228880" cy="3976920"/>
+            <a:ext cx="8229240" cy="3977280"/>
           </a:xfrm>
           <a:prstGeom prst="rect">
             <a:avLst/>
@@ -1438,12 +1450,12 @@
               <a:buChar char=""/>
             </a:pPr>
             <a:r>
-              <a:rPr b="0" lang="en-US" sz="1800" spc="-1" strike="noStrike">
+              <a:rPr b="0" lang="en-US" sz="3200" spc="-1" strike="noStrike">
                 <a:latin typeface="Arial"/>
               </a:rPr>
               <a:t>Click to edit the outline text format</a:t>
             </a:r>
-            <a:endParaRPr b="0" lang="en-US" sz="1800" spc="-1" strike="noStrike">
+            <a:endParaRPr b="0" lang="en-US" sz="3200" spc="-1" strike="noStrike">
               <a:latin typeface="Arial"/>
             </a:endParaRPr>
           </a:p>
@@ -1460,12 +1472,12 @@
               <a:buChar char=""/>
             </a:pPr>
             <a:r>
-              <a:rPr b="0" lang="en-US" sz="1800" spc="-1" strike="noStrike">
+              <a:rPr b="0" lang="en-US" sz="2800" spc="-1" strike="noStrike">
                 <a:latin typeface="Arial"/>
               </a:rPr>
               <a:t>Second Outline Level</a:t>
             </a:r>
-            <a:endParaRPr b="0" lang="en-US" sz="1800" spc="-1" strike="noStrike">
+            <a:endParaRPr b="0" lang="en-US" sz="2800" spc="-1" strike="noStrike">
               <a:latin typeface="Arial"/>
             </a:endParaRPr>
           </a:p>
@@ -1482,12 +1494,12 @@
               <a:buChar char=""/>
             </a:pPr>
             <a:r>
-              <a:rPr b="0" lang="en-US" sz="1800" spc="-1" strike="noStrike">
+              <a:rPr b="0" lang="en-US" sz="2400" spc="-1" strike="noStrike">
                 <a:latin typeface="Arial"/>
               </a:rPr>
               <a:t>Third Outline Level</a:t>
             </a:r>
-            <a:endParaRPr b="0" lang="en-US" sz="1800" spc="-1" strike="noStrike">
+            <a:endParaRPr b="0" lang="en-US" sz="2400" spc="-1" strike="noStrike">
               <a:latin typeface="Arial"/>
             </a:endParaRPr>
           </a:p>
@@ -1504,12 +1516,12 @@
               <a:buChar char=""/>
             </a:pPr>
             <a:r>
-              <a:rPr b="0" lang="en-US" sz="1800" spc="-1" strike="noStrike">
+              <a:rPr b="0" lang="en-US" sz="2000" spc="-1" strike="noStrike">
                 <a:latin typeface="Arial"/>
               </a:rPr>
               <a:t>Fourth Outline Level</a:t>
             </a:r>
-            <a:endParaRPr b="0" lang="en-US" sz="1800" spc="-1" strike="noStrike">
+            <a:endParaRPr b="0" lang="en-US" sz="2000" spc="-1" strike="noStrike">
               <a:latin typeface="Arial"/>
             </a:endParaRPr>
           </a:p>
@@ -1526,12 +1538,12 @@
               <a:buChar char=""/>
             </a:pPr>
             <a:r>
-              <a:rPr b="0" lang="en-US" sz="1800" spc="-1" strike="noStrike">
+              <a:rPr b="0" lang="en-US" sz="2000" spc="-1" strike="noStrike">
                 <a:latin typeface="Arial"/>
               </a:rPr>
               <a:t>Fifth Outline Level</a:t>
             </a:r>
-            <a:endParaRPr b="0" lang="en-US" sz="1800" spc="-1" strike="noStrike">
+            <a:endParaRPr b="0" lang="en-US" sz="2000" spc="-1" strike="noStrike">
               <a:latin typeface="Arial"/>
             </a:endParaRPr>
           </a:p>
@@ -1548,12 +1560,12 @@
               <a:buChar char=""/>
             </a:pPr>
             <a:r>
-              <a:rPr b="0" lang="en-US" sz="1800" spc="-1" strike="noStrike">
+              <a:rPr b="0" lang="en-US" sz="2000" spc="-1" strike="noStrike">
                 <a:latin typeface="Arial"/>
               </a:rPr>
               <a:t>Sixth Outline Level</a:t>
             </a:r>
-            <a:endParaRPr b="0" lang="en-US" sz="1800" spc="-1" strike="noStrike">
+            <a:endParaRPr b="0" lang="en-US" sz="2000" spc="-1" strike="noStrike">
               <a:latin typeface="Arial"/>
             </a:endParaRPr>
           </a:p>
@@ -1570,12 +1582,12 @@
               <a:buChar char=""/>
             </a:pPr>
             <a:r>
-              <a:rPr b="0" lang="en-US" sz="1800" spc="-1" strike="noStrike">
+              <a:rPr b="0" lang="en-US" sz="2000" spc="-1" strike="noStrike">
                 <a:latin typeface="Arial"/>
               </a:rPr>
               <a:t>Seventh Outline Level</a:t>
             </a:r>
-            <a:endParaRPr b="0" lang="en-US" sz="1800" spc="-1" strike="noStrike">
+            <a:endParaRPr b="0" lang="en-US" sz="2000" spc="-1" strike="noStrike">
               <a:latin typeface="Arial"/>
             </a:endParaRPr>
           </a:p>
@@ -1627,7 +1639,7 @@
         <p:spPr>
           <a:xfrm>
             <a:off x="685800" y="2130480"/>
-            <a:ext cx="7771320" cy="1468800"/>
+            <a:ext cx="7770600" cy="1468080"/>
           </a:xfrm>
           <a:prstGeom prst="rect">
             <a:avLst/>
@@ -1712,7 +1724,7 @@
         <p:spPr>
           <a:xfrm>
             <a:off x="1371600" y="3886200"/>
-            <a:ext cx="6399720" cy="1751400"/>
+            <a:ext cx="6399000" cy="1750680"/>
           </a:xfrm>
           <a:prstGeom prst="rect">
             <a:avLst/>
@@ -1784,6 +1796,143 @@
       </p:par>
     </p:tnLst>
   </p:timing>
+</p:sld>
+</file>
+
+<file path=ppt/slides/slide2.xml><?xml version="1.0" encoding="utf-8"?>
+<p:sld xmlns:a="http://schemas.openxmlformats.org/drawingml/2006/main" xmlns:p="http://schemas.openxmlformats.org/presentationml/2006/main" xmlns:r="http://schemas.openxmlformats.org/officeDocument/2006/relationships" xmlns:p14="http://schemas.microsoft.com/office/powerpoint/2010/main" xmlns:p15="http://schemas.microsoft.com/office/powerpoint/2012/main" xmlns:mc="http://schemas.openxmlformats.org/markup-compatibility/2006">
+  <p:cSld>
+    <p:spTree>
+      <p:nvGrpSpPr>
+        <p:cNvPr id="1" name=""/>
+        <p:cNvGrpSpPr/>
+        <p:nvPr/>
+      </p:nvGrpSpPr>
+      <p:grpSpPr>
+        <a:xfrm>
+          <a:off x="0" y="0"/>
+          <a:ext cx="0" cy="0"/>
+          <a:chOff x="0" y="0"/>
+          <a:chExt cx="0" cy="0"/>
+        </a:xfrm>
+      </p:grpSpPr>
+    </p:spTree>
+  </p:cSld>
+  <p:timing>
+    <p:tnLst>
+      <p:par>
+        <p:cTn id="3" dur="indefinite" restart="never" nodeType="tmRoot">
+          <p:childTnLst>
+            <p:seq>
+              <p:cTn id="4" dur="indefinite" nodeType="mainSeq"/>
+              <p:prevCondLst>
+                <p:cond delay="0" evt="onPrev">
+                  <p:tgtEl>
+                    <p:sldTgt/>
+                  </p:tgtEl>
+                </p:cond>
+              </p:prevCondLst>
+              <p:nextCondLst>
+                <p:cond delay="0" evt="onNext">
+                  <p:tgtEl>
+                    <p:sldTgt/>
+                  </p:tgtEl>
+                </p:cond>
+              </p:nextCondLst>
+            </p:seq>
+          </p:childTnLst>
+        </p:cTn>
+      </p:par>
+    </p:tnLst>
+  </p:timing>
+</p:sld>
+</file>
+
+<file path=ppt/slides/slide3.xml><?xml version="1.0" encoding="utf-8"?>
+<p:sld xmlns:a="http://schemas.openxmlformats.org/drawingml/2006/main" xmlns:p="http://schemas.openxmlformats.org/presentationml/2006/main" xmlns:r="http://schemas.openxmlformats.org/officeDocument/2006/relationships" xmlns:p14="http://schemas.microsoft.com/office/powerpoint/2010/main" xmlns:p15="http://schemas.microsoft.com/office/powerpoint/2012/main" xmlns:mc="http://schemas.openxmlformats.org/markup-compatibility/2006">
+  <p:cSld>
+    <p:spTree>
+      <p:nvGrpSpPr>
+        <p:cNvPr id="1" name=""/>
+        <p:cNvGrpSpPr/>
+        <p:nvPr/>
+      </p:nvGrpSpPr>
+      <p:grpSpPr>
+        <a:xfrm>
+          <a:off x="0" y="0"/>
+          <a:ext cx="0" cy="0"/>
+          <a:chOff x="0" y="0"/>
+          <a:chExt cx="0" cy="0"/>
+        </a:xfrm>
+      </p:grpSpPr>
+    </p:spTree>
+  </p:cSld>
+</p:sld>
+</file>
+
+<file path=ppt/slides/slide4.xml><?xml version="1.0" encoding="utf-8"?>
+<p:sld xmlns:a="http://schemas.openxmlformats.org/drawingml/2006/main" xmlns:p="http://schemas.openxmlformats.org/presentationml/2006/main" xmlns:r="http://schemas.openxmlformats.org/officeDocument/2006/relationships" xmlns:p14="http://schemas.microsoft.com/office/powerpoint/2010/main" xmlns:p15="http://schemas.microsoft.com/office/powerpoint/2012/main" xmlns:mc="http://schemas.openxmlformats.org/markup-compatibility/2006">
+  <p:cSld>
+    <p:spTree>
+      <p:nvGrpSpPr>
+        <p:cNvPr id="1" name=""/>
+        <p:cNvGrpSpPr/>
+        <p:nvPr/>
+      </p:nvGrpSpPr>
+      <p:grpSpPr>
+        <a:xfrm>
+          <a:off x="0" y="0"/>
+          <a:ext cx="0" cy="0"/>
+          <a:chOff x="0" y="0"/>
+          <a:chExt cx="0" cy="0"/>
+        </a:xfrm>
+      </p:grpSpPr>
+    </p:spTree>
+  </p:cSld>
+</p:sld>
+</file>
+
+<file path=ppt/slides/slide5.xml><?xml version="1.0" encoding="utf-8"?>
+<p:sld xmlns:a="http://schemas.openxmlformats.org/drawingml/2006/main" xmlns:p="http://schemas.openxmlformats.org/presentationml/2006/main" xmlns:r="http://schemas.openxmlformats.org/officeDocument/2006/relationships" xmlns:p14="http://schemas.microsoft.com/office/powerpoint/2010/main" xmlns:p15="http://schemas.microsoft.com/office/powerpoint/2012/main" xmlns:mc="http://schemas.openxmlformats.org/markup-compatibility/2006">
+  <p:cSld>
+    <p:spTree>
+      <p:nvGrpSpPr>
+        <p:cNvPr id="1" name=""/>
+        <p:cNvGrpSpPr/>
+        <p:nvPr/>
+      </p:nvGrpSpPr>
+      <p:grpSpPr>
+        <a:xfrm>
+          <a:off x="0" y="0"/>
+          <a:ext cx="0" cy="0"/>
+          <a:chOff x="0" y="0"/>
+          <a:chExt cx="0" cy="0"/>
+        </a:xfrm>
+      </p:grpSpPr>
+    </p:spTree>
+  </p:cSld>
+</p:sld>
+</file>
+
+<file path=ppt/slides/slide6.xml><?xml version="1.0" encoding="utf-8"?>
+<p:sld xmlns:a="http://schemas.openxmlformats.org/drawingml/2006/main" xmlns:p="http://schemas.openxmlformats.org/presentationml/2006/main" xmlns:r="http://schemas.openxmlformats.org/officeDocument/2006/relationships" xmlns:p14="http://schemas.microsoft.com/office/powerpoint/2010/main" xmlns:p15="http://schemas.microsoft.com/office/powerpoint/2012/main" xmlns:mc="http://schemas.openxmlformats.org/markup-compatibility/2006">
+  <p:cSld>
+    <p:spTree>
+      <p:nvGrpSpPr>
+        <p:cNvPr id="1" name=""/>
+        <p:cNvGrpSpPr/>
+        <p:nvPr/>
+      </p:nvGrpSpPr>
+      <p:grpSpPr>
+        <a:xfrm>
+          <a:off x="0" y="0"/>
+          <a:ext cx="0" cy="0"/>
+          <a:chOff x="0" y="0"/>
+          <a:chExt cx="0" cy="0"/>
+        </a:xfrm>
+      </p:grpSpPr>
+    </p:spTree>
+  </p:cSld>
 </p:sld>
 </file>
 

--- a/input.pptx
+++ b/input.pptx
@@ -11,6 +11,9 @@
     <p:sldId id="259" r:id="rId6"/>
     <p:sldId id="260" r:id="rId7"/>
     <p:sldId id="261" r:id="rId8"/>
+    <p:sldId id="262" r:id="rId9"/>
+    <p:sldId id="263" r:id="rId10"/>
+    <p:sldId id="264" r:id="rId11"/>
   </p:sldIdLst>
   <p:sldSz cx="9144000" cy="6858000"/>
   <p:notesSz cx="7559675" cy="10691812"/>
@@ -1400,13 +1403,7 @@
               <a:rPr b="0" lang="en-US" sz="4400" spc="-1" strike="noStrike">
                 <a:latin typeface="Arial"/>
               </a:rPr>
-              <a:t>Click to edit the title text </a:t>
-            </a:r>
-            <a:r>
-              <a:rPr b="0" lang="en-US" sz="4400" spc="-1" strike="noStrike">
-                <a:latin typeface="Arial"/>
-              </a:rPr>
-              <a:t>format</a:t>
+              <a:t>Click to edit the title text format</a:t>
             </a:r>
             <a:endParaRPr b="0" lang="en-US" sz="4400" spc="-1" strike="noStrike">
               <a:latin typeface="Arial"/>
@@ -1639,7 +1636,7 @@
         <p:spPr>
           <a:xfrm>
             <a:off x="685800" y="2130480"/>
-            <a:ext cx="7770600" cy="1468080"/>
+            <a:ext cx="7769880" cy="1467360"/>
           </a:xfrm>
           <a:prstGeom prst="rect">
             <a:avLst/>
@@ -1724,7 +1721,7 @@
         <p:spPr>
           <a:xfrm>
             <a:off x="1371600" y="3886200"/>
-            <a:ext cx="6399000" cy="1750680"/>
+            <a:ext cx="6398280" cy="1749960"/>
           </a:xfrm>
           <a:prstGeom prst="rect">
             <a:avLst/>
@@ -1867,6 +1864,33 @@
       </p:grpSpPr>
     </p:spTree>
   </p:cSld>
+  <p:timing>
+    <p:tnLst>
+      <p:par>
+        <p:cTn id="5" dur="indefinite" restart="never" nodeType="tmRoot">
+          <p:childTnLst>
+            <p:seq>
+              <p:cTn id="6" dur="indefinite" nodeType="mainSeq"/>
+              <p:prevCondLst>
+                <p:cond delay="0" evt="onPrev">
+                  <p:tgtEl>
+                    <p:sldTgt/>
+                  </p:tgtEl>
+                </p:cond>
+              </p:prevCondLst>
+              <p:nextCondLst>
+                <p:cond delay="0" evt="onNext">
+                  <p:tgtEl>
+                    <p:sldTgt/>
+                  </p:tgtEl>
+                </p:cond>
+              </p:nextCondLst>
+            </p:seq>
+          </p:childTnLst>
+        </p:cTn>
+      </p:par>
+    </p:tnLst>
+  </p:timing>
 </p:sld>
 </file>
 
@@ -1889,6 +1913,33 @@
       </p:grpSpPr>
     </p:spTree>
   </p:cSld>
+  <p:timing>
+    <p:tnLst>
+      <p:par>
+        <p:cTn id="7" dur="indefinite" restart="never" nodeType="tmRoot">
+          <p:childTnLst>
+            <p:seq>
+              <p:cTn id="8" dur="indefinite" nodeType="mainSeq"/>
+              <p:prevCondLst>
+                <p:cond delay="0" evt="onPrev">
+                  <p:tgtEl>
+                    <p:sldTgt/>
+                  </p:tgtEl>
+                </p:cond>
+              </p:prevCondLst>
+              <p:nextCondLst>
+                <p:cond delay="0" evt="onNext">
+                  <p:tgtEl>
+                    <p:sldTgt/>
+                  </p:tgtEl>
+                </p:cond>
+              </p:nextCondLst>
+            </p:seq>
+          </p:childTnLst>
+        </p:cTn>
+      </p:par>
+    </p:tnLst>
+  </p:timing>
 </p:sld>
 </file>
 
@@ -1911,6 +1962,33 @@
       </p:grpSpPr>
     </p:spTree>
   </p:cSld>
+  <p:timing>
+    <p:tnLst>
+      <p:par>
+        <p:cTn id="9" dur="indefinite" restart="never" nodeType="tmRoot">
+          <p:childTnLst>
+            <p:seq>
+              <p:cTn id="10" dur="indefinite" nodeType="mainSeq"/>
+              <p:prevCondLst>
+                <p:cond delay="0" evt="onPrev">
+                  <p:tgtEl>
+                    <p:sldTgt/>
+                  </p:tgtEl>
+                </p:cond>
+              </p:prevCondLst>
+              <p:nextCondLst>
+                <p:cond delay="0" evt="onNext">
+                  <p:tgtEl>
+                    <p:sldTgt/>
+                  </p:tgtEl>
+                </p:cond>
+              </p:nextCondLst>
+            </p:seq>
+          </p:childTnLst>
+        </p:cTn>
+      </p:par>
+    </p:tnLst>
+  </p:timing>
 </p:sld>
 </file>
 
@@ -1933,6 +2011,282 @@
       </p:grpSpPr>
     </p:spTree>
   </p:cSld>
+  <p:timing>
+    <p:tnLst>
+      <p:par>
+        <p:cTn id="11" dur="indefinite" restart="never" nodeType="tmRoot">
+          <p:childTnLst>
+            <p:seq>
+              <p:cTn id="12" dur="indefinite" nodeType="mainSeq"/>
+              <p:prevCondLst>
+                <p:cond delay="0" evt="onPrev">
+                  <p:tgtEl>
+                    <p:sldTgt/>
+                  </p:tgtEl>
+                </p:cond>
+              </p:prevCondLst>
+              <p:nextCondLst>
+                <p:cond delay="0" evt="onNext">
+                  <p:tgtEl>
+                    <p:sldTgt/>
+                  </p:tgtEl>
+                </p:cond>
+              </p:nextCondLst>
+            </p:seq>
+          </p:childTnLst>
+        </p:cTn>
+      </p:par>
+    </p:tnLst>
+  </p:timing>
+</p:sld>
+</file>
+
+<file path=ppt/slides/slide7.xml><?xml version="1.0" encoding="utf-8"?>
+<p:sld xmlns:a="http://schemas.openxmlformats.org/drawingml/2006/main" xmlns:p="http://schemas.openxmlformats.org/presentationml/2006/main" xmlns:r="http://schemas.openxmlformats.org/officeDocument/2006/relationships" xmlns:p14="http://schemas.microsoft.com/office/powerpoint/2010/main" xmlns:p15="http://schemas.microsoft.com/office/powerpoint/2012/main" xmlns:mc="http://schemas.openxmlformats.org/markup-compatibility/2006">
+  <p:cSld>
+    <p:spTree>
+      <p:nvGrpSpPr>
+        <p:cNvPr id="1" name=""/>
+        <p:cNvGrpSpPr/>
+        <p:nvPr/>
+      </p:nvGrpSpPr>
+      <p:grpSpPr>
+        <a:xfrm>
+          <a:off x="0" y="0"/>
+          <a:ext cx="0" cy="0"/>
+          <a:chOff x="0" y="0"/>
+          <a:chExt cx="0" cy="0"/>
+        </a:xfrm>
+      </p:grpSpPr>
+      <p:sp>
+        <p:nvSpPr>
+          <p:cNvPr id="40" name="TextShape 1"/>
+          <p:cNvSpPr txBox="1"/>
+          <p:nvPr/>
+        </p:nvSpPr>
+        <p:spPr>
+          <a:xfrm>
+            <a:off x="822960" y="1371600"/>
+            <a:ext cx="7223760" cy="346320"/>
+          </a:xfrm>
+          <a:prstGeom prst="rect">
+            <a:avLst/>
+          </a:prstGeom>
+          <a:noFill/>
+          <a:ln>
+            <a:noFill/>
+          </a:ln>
+        </p:spPr>
+        <p:txBody>
+          <a:bodyPr lIns="90000" rIns="90000" tIns="45000" bIns="45000"/>
+          <a:p>
+            <a:r>
+              <a:rPr b="0" lang="en-US" sz="1800" spc="-1" strike="noStrike">
+                <a:latin typeface="Arial"/>
+              </a:rPr>
+              <a:t>7</a:t>
+            </a:r>
+            <a:endParaRPr b="0" lang="en-US" sz="1800" spc="-1" strike="noStrike">
+              <a:latin typeface="Arial"/>
+            </a:endParaRPr>
+          </a:p>
+        </p:txBody>
+      </p:sp>
+    </p:spTree>
+  </p:cSld>
+  <p:timing>
+    <p:tnLst>
+      <p:par>
+        <p:cTn id="13" dur="indefinite" restart="never" nodeType="tmRoot">
+          <p:childTnLst>
+            <p:seq>
+              <p:cTn id="14" dur="indefinite" nodeType="mainSeq"/>
+              <p:prevCondLst>
+                <p:cond delay="0" evt="onPrev">
+                  <p:tgtEl>
+                    <p:sldTgt/>
+                  </p:tgtEl>
+                </p:cond>
+              </p:prevCondLst>
+              <p:nextCondLst>
+                <p:cond delay="0" evt="onNext">
+                  <p:tgtEl>
+                    <p:sldTgt/>
+                  </p:tgtEl>
+                </p:cond>
+              </p:nextCondLst>
+            </p:seq>
+          </p:childTnLst>
+        </p:cTn>
+      </p:par>
+    </p:tnLst>
+  </p:timing>
+</p:sld>
+</file>
+
+<file path=ppt/slides/slide8.xml><?xml version="1.0" encoding="utf-8"?>
+<p:sld xmlns:a="http://schemas.openxmlformats.org/drawingml/2006/main" xmlns:p="http://schemas.openxmlformats.org/presentationml/2006/main" xmlns:r="http://schemas.openxmlformats.org/officeDocument/2006/relationships" xmlns:p14="http://schemas.microsoft.com/office/powerpoint/2010/main" xmlns:p15="http://schemas.microsoft.com/office/powerpoint/2012/main" xmlns:mc="http://schemas.openxmlformats.org/markup-compatibility/2006">
+  <p:cSld>
+    <p:spTree>
+      <p:nvGrpSpPr>
+        <p:cNvPr id="1" name=""/>
+        <p:cNvGrpSpPr/>
+        <p:nvPr/>
+      </p:nvGrpSpPr>
+      <p:grpSpPr>
+        <a:xfrm>
+          <a:off x="0" y="0"/>
+          <a:ext cx="0" cy="0"/>
+          <a:chOff x="0" y="0"/>
+          <a:chExt cx="0" cy="0"/>
+        </a:xfrm>
+      </p:grpSpPr>
+      <p:sp>
+        <p:nvSpPr>
+          <p:cNvPr id="41" name="TextShape 1"/>
+          <p:cNvSpPr txBox="1"/>
+          <p:nvPr/>
+        </p:nvSpPr>
+        <p:spPr>
+          <a:xfrm>
+            <a:off x="1188720" y="1554480"/>
+            <a:ext cx="7589520" cy="346320"/>
+          </a:xfrm>
+          <a:prstGeom prst="rect">
+            <a:avLst/>
+          </a:prstGeom>
+          <a:noFill/>
+          <a:ln>
+            <a:noFill/>
+          </a:ln>
+        </p:spPr>
+        <p:txBody>
+          <a:bodyPr lIns="90000" rIns="90000" tIns="45000" bIns="45000"/>
+          <a:p>
+            <a:r>
+              <a:rPr b="0" lang="en-US" sz="1800" spc="-1" strike="noStrike">
+                <a:latin typeface="Arial"/>
+              </a:rPr>
+              <a:t>8</a:t>
+            </a:r>
+            <a:endParaRPr b="0" lang="en-US" sz="1800" spc="-1" strike="noStrike">
+              <a:latin typeface="Arial"/>
+            </a:endParaRPr>
+          </a:p>
+        </p:txBody>
+      </p:sp>
+    </p:spTree>
+  </p:cSld>
+  <p:timing>
+    <p:tnLst>
+      <p:par>
+        <p:cTn id="15" dur="indefinite" restart="never" nodeType="tmRoot">
+          <p:childTnLst>
+            <p:seq>
+              <p:cTn id="16" dur="indefinite" nodeType="mainSeq"/>
+              <p:prevCondLst>
+                <p:cond delay="0" evt="onPrev">
+                  <p:tgtEl>
+                    <p:sldTgt/>
+                  </p:tgtEl>
+                </p:cond>
+              </p:prevCondLst>
+              <p:nextCondLst>
+                <p:cond delay="0" evt="onNext">
+                  <p:tgtEl>
+                    <p:sldTgt/>
+                  </p:tgtEl>
+                </p:cond>
+              </p:nextCondLst>
+            </p:seq>
+          </p:childTnLst>
+        </p:cTn>
+      </p:par>
+    </p:tnLst>
+  </p:timing>
+</p:sld>
+</file>
+
+<file path=ppt/slides/slide9.xml><?xml version="1.0" encoding="utf-8"?>
+<p:sld xmlns:a="http://schemas.openxmlformats.org/drawingml/2006/main" xmlns:p="http://schemas.openxmlformats.org/presentationml/2006/main" xmlns:r="http://schemas.openxmlformats.org/officeDocument/2006/relationships" xmlns:p14="http://schemas.microsoft.com/office/powerpoint/2010/main" xmlns:p15="http://schemas.microsoft.com/office/powerpoint/2012/main" xmlns:mc="http://schemas.openxmlformats.org/markup-compatibility/2006">
+  <p:cSld>
+    <p:spTree>
+      <p:nvGrpSpPr>
+        <p:cNvPr id="1" name=""/>
+        <p:cNvGrpSpPr/>
+        <p:nvPr/>
+      </p:nvGrpSpPr>
+      <p:grpSpPr>
+        <a:xfrm>
+          <a:off x="0" y="0"/>
+          <a:ext cx="0" cy="0"/>
+          <a:chOff x="0" y="0"/>
+          <a:chExt cx="0" cy="0"/>
+        </a:xfrm>
+      </p:grpSpPr>
+      <p:sp>
+        <p:nvSpPr>
+          <p:cNvPr id="42" name="TextShape 1"/>
+          <p:cNvSpPr txBox="1"/>
+          <p:nvPr/>
+        </p:nvSpPr>
+        <p:spPr>
+          <a:xfrm>
+            <a:off x="822960" y="1645920"/>
+            <a:ext cx="7955280" cy="346320"/>
+          </a:xfrm>
+          <a:prstGeom prst="rect">
+            <a:avLst/>
+          </a:prstGeom>
+          <a:noFill/>
+          <a:ln>
+            <a:noFill/>
+          </a:ln>
+        </p:spPr>
+        <p:txBody>
+          <a:bodyPr lIns="90000" rIns="90000" tIns="45000" bIns="45000"/>
+          <a:p>
+            <a:r>
+              <a:rPr b="0" lang="en-US" sz="1800" spc="-1" strike="noStrike">
+                <a:latin typeface="Arial"/>
+              </a:rPr>
+              <a:t>9</a:t>
+            </a:r>
+            <a:endParaRPr b="0" lang="en-US" sz="1800" spc="-1" strike="noStrike">
+              <a:latin typeface="Arial"/>
+            </a:endParaRPr>
+          </a:p>
+        </p:txBody>
+      </p:sp>
+    </p:spTree>
+  </p:cSld>
+  <p:timing>
+    <p:tnLst>
+      <p:par>
+        <p:cTn id="17" dur="indefinite" restart="never" nodeType="tmRoot">
+          <p:childTnLst>
+            <p:seq>
+              <p:cTn id="18" dur="indefinite" nodeType="mainSeq"/>
+              <p:prevCondLst>
+                <p:cond delay="0" evt="onPrev">
+                  <p:tgtEl>
+                    <p:sldTgt/>
+                  </p:tgtEl>
+                </p:cond>
+              </p:prevCondLst>
+              <p:nextCondLst>
+                <p:cond delay="0" evt="onNext">
+                  <p:tgtEl>
+                    <p:sldTgt/>
+                  </p:tgtEl>
+                </p:cond>
+              </p:nextCondLst>
+            </p:seq>
+          </p:childTnLst>
+        </p:cTn>
+      </p:par>
+    </p:tnLst>
+  </p:timing>
 </p:sld>
 </file>
 
